--- a/12-userdef_type/00-enum_typedef.pptx
+++ b/12-userdef_type/00-enum_typedef.pptx
@@ -16,8 +16,8 @@
     <p:sldId id="309" r:id="rId10"/>
     <p:sldId id="298" r:id="rId11"/>
     <p:sldId id="310" r:id="rId12"/>
-    <p:sldId id="311" r:id="rId13"/>
-    <p:sldId id="313" r:id="rId14"/>
+    <p:sldId id="316" r:id="rId13"/>
+    <p:sldId id="317" r:id="rId14"/>
     <p:sldId id="312" r:id="rId15"/>
     <p:sldId id="314" r:id="rId16"/>
     <p:sldId id="315" r:id="rId17"/>
@@ -279,7 +279,7 @@
           <a:p>
             <a:fld id="{3C22E3A1-C276-43FD-A0AD-E3E3A7519323}" type="datetimeFigureOut">
               <a:rPr lang="zh-TW" altLang="en-US" smtClean="0"/>
-              <a:t>2021/12/9</a:t>
+              <a:t>2021/12/15</a:t>
             </a:fld>
             <a:endParaRPr lang="zh-TW" altLang="en-US"/>
           </a:p>
@@ -477,7 +477,7 @@
           <a:p>
             <a:fld id="{3C22E3A1-C276-43FD-A0AD-E3E3A7519323}" type="datetimeFigureOut">
               <a:rPr lang="zh-TW" altLang="en-US" smtClean="0"/>
-              <a:t>2021/12/9</a:t>
+              <a:t>2021/12/15</a:t>
             </a:fld>
             <a:endParaRPr lang="zh-TW" altLang="en-US"/>
           </a:p>
@@ -685,7 +685,7 @@
           <a:p>
             <a:fld id="{3C22E3A1-C276-43FD-A0AD-E3E3A7519323}" type="datetimeFigureOut">
               <a:rPr lang="zh-TW" altLang="en-US" smtClean="0"/>
-              <a:t>2021/12/9</a:t>
+              <a:t>2021/12/15</a:t>
             </a:fld>
             <a:endParaRPr lang="zh-TW" altLang="en-US"/>
           </a:p>
@@ -883,7 +883,7 @@
           <a:p>
             <a:fld id="{3C22E3A1-C276-43FD-A0AD-E3E3A7519323}" type="datetimeFigureOut">
               <a:rPr lang="zh-TW" altLang="en-US" smtClean="0"/>
-              <a:t>2021/12/9</a:t>
+              <a:t>2021/12/15</a:t>
             </a:fld>
             <a:endParaRPr lang="zh-TW" altLang="en-US"/>
           </a:p>
@@ -1158,7 +1158,7 @@
           <a:p>
             <a:fld id="{3C22E3A1-C276-43FD-A0AD-E3E3A7519323}" type="datetimeFigureOut">
               <a:rPr lang="zh-TW" altLang="en-US" smtClean="0"/>
-              <a:t>2021/12/9</a:t>
+              <a:t>2021/12/15</a:t>
             </a:fld>
             <a:endParaRPr lang="zh-TW" altLang="en-US"/>
           </a:p>
@@ -1423,7 +1423,7 @@
           <a:p>
             <a:fld id="{3C22E3A1-C276-43FD-A0AD-E3E3A7519323}" type="datetimeFigureOut">
               <a:rPr lang="zh-TW" altLang="en-US" smtClean="0"/>
-              <a:t>2021/12/9</a:t>
+              <a:t>2021/12/15</a:t>
             </a:fld>
             <a:endParaRPr lang="zh-TW" altLang="en-US"/>
           </a:p>
@@ -1835,7 +1835,7 @@
           <a:p>
             <a:fld id="{3C22E3A1-C276-43FD-A0AD-E3E3A7519323}" type="datetimeFigureOut">
               <a:rPr lang="zh-TW" altLang="en-US" smtClean="0"/>
-              <a:t>2021/12/9</a:t>
+              <a:t>2021/12/15</a:t>
             </a:fld>
             <a:endParaRPr lang="zh-TW" altLang="en-US"/>
           </a:p>
@@ -1976,7 +1976,7 @@
           <a:p>
             <a:fld id="{3C22E3A1-C276-43FD-A0AD-E3E3A7519323}" type="datetimeFigureOut">
               <a:rPr lang="zh-TW" altLang="en-US" smtClean="0"/>
-              <a:t>2021/12/9</a:t>
+              <a:t>2021/12/15</a:t>
             </a:fld>
             <a:endParaRPr lang="zh-TW" altLang="en-US"/>
           </a:p>
@@ -2089,7 +2089,7 @@
           <a:p>
             <a:fld id="{3C22E3A1-C276-43FD-A0AD-E3E3A7519323}" type="datetimeFigureOut">
               <a:rPr lang="zh-TW" altLang="en-US" smtClean="0"/>
-              <a:t>2021/12/9</a:t>
+              <a:t>2021/12/15</a:t>
             </a:fld>
             <a:endParaRPr lang="zh-TW" altLang="en-US"/>
           </a:p>
@@ -2400,7 +2400,7 @@
           <a:p>
             <a:fld id="{3C22E3A1-C276-43FD-A0AD-E3E3A7519323}" type="datetimeFigureOut">
               <a:rPr lang="zh-TW" altLang="en-US" smtClean="0"/>
-              <a:t>2021/12/9</a:t>
+              <a:t>2021/12/15</a:t>
             </a:fld>
             <a:endParaRPr lang="zh-TW" altLang="en-US"/>
           </a:p>
@@ -2688,7 +2688,7 @@
           <a:p>
             <a:fld id="{3C22E3A1-C276-43FD-A0AD-E3E3A7519323}" type="datetimeFigureOut">
               <a:rPr lang="zh-TW" altLang="en-US" smtClean="0"/>
-              <a:t>2021/12/9</a:t>
+              <a:t>2021/12/15</a:t>
             </a:fld>
             <a:endParaRPr lang="zh-TW" altLang="en-US"/>
           </a:p>
@@ -2929,7 +2929,7 @@
           <a:p>
             <a:fld id="{3C22E3A1-C276-43FD-A0AD-E3E3A7519323}" type="datetimeFigureOut">
               <a:rPr lang="zh-TW" altLang="en-US" smtClean="0"/>
-              <a:t>2021/12/9</a:t>
+              <a:t>2021/12/15</a:t>
             </a:fld>
             <a:endParaRPr lang="zh-TW" altLang="en-US"/>
           </a:p>
@@ -5659,7 +5659,7 @@
                 <a:effectLst/>
                 <a:latin typeface="Consolas" panose="020B0609020204030204" pitchFamily="49" charset="0"/>
               </a:rPr>
-              <a:t>NotRreferred</a:t>
+              <a:t>NotPreferred</a:t>
             </a:r>
             <a:endParaRPr lang="en-US" altLang="zh-TW" b="0" dirty="0">
               <a:solidFill>
@@ -6346,10 +6346,39 @@
       </p:grpSpPr>
       <p:sp>
         <p:nvSpPr>
-          <p:cNvPr id="7" name="文字方塊 6">
+          <p:cNvPr id="2" name="標題 1">
             <a:extLst>
               <a:ext uri="{FF2B5EF4-FFF2-40B4-BE49-F238E27FC236}">
-                <a16:creationId xmlns:a16="http://schemas.microsoft.com/office/drawing/2014/main" id="{92AAA63F-0E62-4062-9037-E46FC595437B}"/>
+                <a16:creationId xmlns:a16="http://schemas.microsoft.com/office/drawing/2014/main" id="{ECC00C9B-BEF4-4AA9-AFCA-67E348060B00}"/>
+              </a:ext>
+            </a:extLst>
+          </p:cNvPr>
+          <p:cNvSpPr>
+            <a:spLocks noGrp="1"/>
+          </p:cNvSpPr>
+          <p:nvPr>
+            <p:ph type="title"/>
+          </p:nvPr>
+        </p:nvSpPr>
+        <p:spPr/>
+        <p:txBody>
+          <a:bodyPr/>
+          <a:lstStyle/>
+          <a:p>
+            <a:r>
+              <a:rPr lang="en-US" altLang="zh-TW" dirty="0"/>
+              <a:t>Struct - Initialization</a:t>
+            </a:r>
+            <a:endParaRPr lang="zh-TW" altLang="en-US" dirty="0"/>
+          </a:p>
+        </p:txBody>
+      </p:sp>
+      <p:sp>
+        <p:nvSpPr>
+          <p:cNvPr id="10" name="文字方塊 9">
+            <a:extLst>
+              <a:ext uri="{FF2B5EF4-FFF2-40B4-BE49-F238E27FC236}">
+                <a16:creationId xmlns:a16="http://schemas.microsoft.com/office/drawing/2014/main" id="{D8F779DD-B649-4E18-B64D-7A1A742E359F}"/>
               </a:ext>
             </a:extLst>
           </p:cNvPr>
@@ -6358,8 +6387,8 @@
         </p:nvSpPr>
         <p:spPr>
           <a:xfrm>
-            <a:off x="313526" y="0"/>
-            <a:ext cx="6709097" cy="6740307"/>
+            <a:off x="766531" y="1690688"/>
+            <a:ext cx="6709097" cy="2031325"/>
           </a:xfrm>
           <a:prstGeom prst="rect">
             <a:avLst/>
@@ -6375,669 +6404,6 @@
             <a:r>
               <a:rPr lang="en-US" altLang="zh-TW" b="0" dirty="0">
                 <a:solidFill>
-                  <a:srgbClr val="0000FF"/>
-                </a:solidFill>
-                <a:effectLst/>
-                <a:latin typeface="Consolas" panose="020B0609020204030204" pitchFamily="49" charset="0"/>
-              </a:rPr>
-              <a:t>struct</a:t>
-            </a:r>
-            <a:r>
-              <a:rPr lang="en-US" altLang="zh-TW" b="0" dirty="0">
-                <a:solidFill>
-                  <a:srgbClr val="000000"/>
-                </a:solidFill>
-                <a:effectLst/>
-                <a:latin typeface="Consolas" panose="020B0609020204030204" pitchFamily="49" charset="0"/>
-              </a:rPr>
-              <a:t> </a:t>
-            </a:r>
-            <a:r>
-              <a:rPr lang="en-US" altLang="zh-TW" b="0" dirty="0" err="1">
-                <a:solidFill>
-                  <a:srgbClr val="267F99"/>
-                </a:solidFill>
-                <a:effectLst/>
-                <a:latin typeface="Consolas" panose="020B0609020204030204" pitchFamily="49" charset="0"/>
-              </a:rPr>
-              <a:t>NotRreferred</a:t>
-            </a:r>
-            <a:endParaRPr lang="en-US" altLang="zh-TW" b="0" dirty="0">
-              <a:solidFill>
-                <a:srgbClr val="000000"/>
-              </a:solidFill>
-              <a:effectLst/>
-              <a:latin typeface="Consolas" panose="020B0609020204030204" pitchFamily="49" charset="0"/>
-            </a:endParaRPr>
-          </a:p>
-          <a:p>
-            <a:r>
-              <a:rPr lang="en-US" altLang="zh-TW" b="0" dirty="0">
-                <a:solidFill>
-                  <a:srgbClr val="000000"/>
-                </a:solidFill>
-                <a:effectLst/>
-                <a:latin typeface="Consolas" panose="020B0609020204030204" pitchFamily="49" charset="0"/>
-              </a:rPr>
-              <a:t>{</a:t>
-            </a:r>
-          </a:p>
-          <a:p>
-            <a:r>
-              <a:rPr lang="en-US" altLang="zh-TW" b="0" dirty="0">
-                <a:solidFill>
-                  <a:srgbClr val="000000"/>
-                </a:solidFill>
-                <a:effectLst/>
-                <a:latin typeface="Consolas" panose="020B0609020204030204" pitchFamily="49" charset="0"/>
-              </a:rPr>
-              <a:t>    </a:t>
-            </a:r>
-            <a:r>
-              <a:rPr lang="en-US" altLang="zh-TW" b="0" dirty="0">
-                <a:solidFill>
-                  <a:srgbClr val="0000FF"/>
-                </a:solidFill>
-                <a:effectLst/>
-                <a:latin typeface="Consolas" panose="020B0609020204030204" pitchFamily="49" charset="0"/>
-              </a:rPr>
-              <a:t>double</a:t>
-            </a:r>
-            <a:r>
-              <a:rPr lang="en-US" altLang="zh-TW" b="0" dirty="0">
-                <a:solidFill>
-                  <a:srgbClr val="000000"/>
-                </a:solidFill>
-                <a:effectLst/>
-                <a:latin typeface="Consolas" panose="020B0609020204030204" pitchFamily="49" charset="0"/>
-              </a:rPr>
-              <a:t> </a:t>
-            </a:r>
-            <a:r>
-              <a:rPr lang="en-US" altLang="zh-TW" b="0" dirty="0" err="1">
-                <a:solidFill>
-                  <a:srgbClr val="001080"/>
-                </a:solidFill>
-                <a:effectLst/>
-                <a:latin typeface="Consolas" panose="020B0609020204030204" pitchFamily="49" charset="0"/>
-              </a:rPr>
-              <a:t>rel</a:t>
-            </a:r>
-            <a:r>
-              <a:rPr lang="en-US" altLang="zh-TW" b="0" dirty="0">
-                <a:solidFill>
-                  <a:srgbClr val="000000"/>
-                </a:solidFill>
-                <a:effectLst/>
-                <a:latin typeface="Consolas" panose="020B0609020204030204" pitchFamily="49" charset="0"/>
-              </a:rPr>
-              <a:t> = </a:t>
-            </a:r>
-            <a:r>
-              <a:rPr lang="en-US" altLang="zh-TW" b="0" dirty="0">
-                <a:solidFill>
-                  <a:srgbClr val="098658"/>
-                </a:solidFill>
-                <a:effectLst/>
-                <a:latin typeface="Consolas" panose="020B0609020204030204" pitchFamily="49" charset="0"/>
-              </a:rPr>
-              <a:t>1.0</a:t>
-            </a:r>
-            <a:r>
-              <a:rPr lang="en-US" altLang="zh-TW" b="0" dirty="0">
-                <a:solidFill>
-                  <a:srgbClr val="000000"/>
-                </a:solidFill>
-                <a:effectLst/>
-                <a:latin typeface="Consolas" panose="020B0609020204030204" pitchFamily="49" charset="0"/>
-              </a:rPr>
-              <a:t>;</a:t>
-            </a:r>
-          </a:p>
-          <a:p>
-            <a:r>
-              <a:rPr lang="en-US" altLang="zh-TW" b="0" dirty="0">
-                <a:solidFill>
-                  <a:srgbClr val="000000"/>
-                </a:solidFill>
-                <a:effectLst/>
-                <a:latin typeface="Consolas" panose="020B0609020204030204" pitchFamily="49" charset="0"/>
-              </a:rPr>
-              <a:t>    </a:t>
-            </a:r>
-            <a:r>
-              <a:rPr lang="en-US" altLang="zh-TW" b="0" dirty="0">
-                <a:solidFill>
-                  <a:srgbClr val="0000FF"/>
-                </a:solidFill>
-                <a:effectLst/>
-                <a:latin typeface="Consolas" panose="020B0609020204030204" pitchFamily="49" charset="0"/>
-              </a:rPr>
-              <a:t>double</a:t>
-            </a:r>
-            <a:r>
-              <a:rPr lang="en-US" altLang="zh-TW" b="0" dirty="0">
-                <a:solidFill>
-                  <a:srgbClr val="000000"/>
-                </a:solidFill>
-                <a:effectLst/>
-                <a:latin typeface="Consolas" panose="020B0609020204030204" pitchFamily="49" charset="0"/>
-              </a:rPr>
-              <a:t> </a:t>
-            </a:r>
-            <a:r>
-              <a:rPr lang="en-US" altLang="zh-TW" b="0" dirty="0" err="1">
-                <a:solidFill>
-                  <a:srgbClr val="001080"/>
-                </a:solidFill>
-                <a:effectLst/>
-                <a:latin typeface="Consolas" panose="020B0609020204030204" pitchFamily="49" charset="0"/>
-              </a:rPr>
-              <a:t>img</a:t>
-            </a:r>
-            <a:r>
-              <a:rPr lang="en-US" altLang="zh-TW" b="0" dirty="0">
-                <a:solidFill>
-                  <a:srgbClr val="000000"/>
-                </a:solidFill>
-                <a:effectLst/>
-                <a:latin typeface="Consolas" panose="020B0609020204030204" pitchFamily="49" charset="0"/>
-              </a:rPr>
-              <a:t> = </a:t>
-            </a:r>
-            <a:r>
-              <a:rPr lang="en-US" altLang="zh-TW" b="0" dirty="0">
-                <a:solidFill>
-                  <a:srgbClr val="098658"/>
-                </a:solidFill>
-                <a:effectLst/>
-                <a:latin typeface="Consolas" panose="020B0609020204030204" pitchFamily="49" charset="0"/>
-              </a:rPr>
-              <a:t>2.0</a:t>
-            </a:r>
-            <a:r>
-              <a:rPr lang="en-US" altLang="zh-TW" b="0" dirty="0">
-                <a:solidFill>
-                  <a:srgbClr val="000000"/>
-                </a:solidFill>
-                <a:effectLst/>
-                <a:latin typeface="Consolas" panose="020B0609020204030204" pitchFamily="49" charset="0"/>
-              </a:rPr>
-              <a:t>;</a:t>
-            </a:r>
-          </a:p>
-          <a:p>
-            <a:r>
-              <a:rPr lang="en-US" altLang="zh-TW" b="0" dirty="0">
-                <a:solidFill>
-                  <a:srgbClr val="000000"/>
-                </a:solidFill>
-                <a:effectLst/>
-                <a:latin typeface="Consolas" panose="020B0609020204030204" pitchFamily="49" charset="0"/>
-              </a:rPr>
-              <a:t>};</a:t>
-            </a:r>
-            <a:br>
-              <a:rPr lang="en-US" altLang="zh-TW" b="0" dirty="0">
-                <a:solidFill>
-                  <a:srgbClr val="000000"/>
-                </a:solidFill>
-                <a:effectLst/>
-                <a:latin typeface="Consolas" panose="020B0609020204030204" pitchFamily="49" charset="0"/>
-              </a:rPr>
-            </a:br>
-            <a:r>
-              <a:rPr lang="en-US" altLang="zh-TW" b="0" dirty="0">
-                <a:solidFill>
-                  <a:srgbClr val="0000FF"/>
-                </a:solidFill>
-                <a:effectLst/>
-                <a:latin typeface="Consolas" panose="020B0609020204030204" pitchFamily="49" charset="0"/>
-              </a:rPr>
-              <a:t>struct</a:t>
-            </a:r>
-            <a:r>
-              <a:rPr lang="en-US" altLang="zh-TW" b="0" dirty="0">
-                <a:solidFill>
-                  <a:srgbClr val="000000"/>
-                </a:solidFill>
-                <a:effectLst/>
-                <a:latin typeface="Consolas" panose="020B0609020204030204" pitchFamily="49" charset="0"/>
-              </a:rPr>
-              <a:t> </a:t>
-            </a:r>
-            <a:r>
-              <a:rPr lang="en-US" altLang="zh-TW" b="0" dirty="0">
-                <a:solidFill>
-                  <a:srgbClr val="267F99"/>
-                </a:solidFill>
-                <a:effectLst/>
-                <a:latin typeface="Consolas" panose="020B0609020204030204" pitchFamily="49" charset="0"/>
-              </a:rPr>
-              <a:t>Complex</a:t>
-            </a:r>
-            <a:endParaRPr lang="en-US" altLang="zh-TW" b="0" dirty="0">
-              <a:solidFill>
-                <a:srgbClr val="000000"/>
-              </a:solidFill>
-              <a:effectLst/>
-              <a:latin typeface="Consolas" panose="020B0609020204030204" pitchFamily="49" charset="0"/>
-            </a:endParaRPr>
-          </a:p>
-          <a:p>
-            <a:r>
-              <a:rPr lang="en-US" altLang="zh-TW" b="0" dirty="0">
-                <a:solidFill>
-                  <a:srgbClr val="000000"/>
-                </a:solidFill>
-                <a:effectLst/>
-                <a:latin typeface="Consolas" panose="020B0609020204030204" pitchFamily="49" charset="0"/>
-              </a:rPr>
-              <a:t>{</a:t>
-            </a:r>
-          </a:p>
-          <a:p>
-            <a:r>
-              <a:rPr lang="en-US" altLang="zh-TW" b="0" dirty="0">
-                <a:solidFill>
-                  <a:srgbClr val="000000"/>
-                </a:solidFill>
-                <a:effectLst/>
-                <a:latin typeface="Consolas" panose="020B0609020204030204" pitchFamily="49" charset="0"/>
-              </a:rPr>
-              <a:t>  </a:t>
-            </a:r>
-            <a:r>
-              <a:rPr lang="en-US" altLang="zh-TW" b="0" dirty="0">
-                <a:solidFill>
-                  <a:srgbClr val="0000FF"/>
-                </a:solidFill>
-                <a:effectLst/>
-                <a:latin typeface="Consolas" panose="020B0609020204030204" pitchFamily="49" charset="0"/>
-              </a:rPr>
-              <a:t>double</a:t>
-            </a:r>
-            <a:r>
-              <a:rPr lang="en-US" altLang="zh-TW" b="0" dirty="0">
-                <a:solidFill>
-                  <a:srgbClr val="000000"/>
-                </a:solidFill>
-                <a:effectLst/>
-                <a:latin typeface="Consolas" panose="020B0609020204030204" pitchFamily="49" charset="0"/>
-              </a:rPr>
-              <a:t> </a:t>
-            </a:r>
-            <a:r>
-              <a:rPr lang="en-US" altLang="zh-TW" b="0" dirty="0" err="1">
-                <a:solidFill>
-                  <a:srgbClr val="001080"/>
-                </a:solidFill>
-                <a:effectLst/>
-                <a:latin typeface="Consolas" panose="020B0609020204030204" pitchFamily="49" charset="0"/>
-              </a:rPr>
-              <a:t>rel</a:t>
-            </a:r>
-            <a:r>
-              <a:rPr lang="en-US" altLang="zh-TW" b="0" dirty="0">
-                <a:solidFill>
-                  <a:srgbClr val="000000"/>
-                </a:solidFill>
-                <a:effectLst/>
-                <a:latin typeface="Consolas" panose="020B0609020204030204" pitchFamily="49" charset="0"/>
-              </a:rPr>
-              <a:t>;</a:t>
-            </a:r>
-          </a:p>
-          <a:p>
-            <a:r>
-              <a:rPr lang="en-US" altLang="zh-TW" b="0" dirty="0">
-                <a:solidFill>
-                  <a:srgbClr val="000000"/>
-                </a:solidFill>
-                <a:effectLst/>
-                <a:latin typeface="Consolas" panose="020B0609020204030204" pitchFamily="49" charset="0"/>
-              </a:rPr>
-              <a:t>  </a:t>
-            </a:r>
-            <a:r>
-              <a:rPr lang="en-US" altLang="zh-TW" b="0" dirty="0">
-                <a:solidFill>
-                  <a:srgbClr val="0000FF"/>
-                </a:solidFill>
-                <a:effectLst/>
-                <a:latin typeface="Consolas" panose="020B0609020204030204" pitchFamily="49" charset="0"/>
-              </a:rPr>
-              <a:t>double</a:t>
-            </a:r>
-            <a:r>
-              <a:rPr lang="en-US" altLang="zh-TW" b="0" dirty="0">
-                <a:solidFill>
-                  <a:srgbClr val="000000"/>
-                </a:solidFill>
-                <a:effectLst/>
-                <a:latin typeface="Consolas" panose="020B0609020204030204" pitchFamily="49" charset="0"/>
-              </a:rPr>
-              <a:t> </a:t>
-            </a:r>
-            <a:r>
-              <a:rPr lang="en-US" altLang="zh-TW" b="0" dirty="0" err="1">
-                <a:solidFill>
-                  <a:srgbClr val="001080"/>
-                </a:solidFill>
-                <a:effectLst/>
-                <a:latin typeface="Consolas" panose="020B0609020204030204" pitchFamily="49" charset="0"/>
-              </a:rPr>
-              <a:t>img</a:t>
-            </a:r>
-            <a:r>
-              <a:rPr lang="en-US" altLang="zh-TW" b="0" dirty="0">
-                <a:solidFill>
-                  <a:srgbClr val="000000"/>
-                </a:solidFill>
-                <a:effectLst/>
-                <a:latin typeface="Consolas" panose="020B0609020204030204" pitchFamily="49" charset="0"/>
-              </a:rPr>
-              <a:t>;</a:t>
-            </a:r>
-            <a:br>
-              <a:rPr lang="en-US" altLang="zh-TW" b="0" dirty="0">
-                <a:solidFill>
-                  <a:srgbClr val="000000"/>
-                </a:solidFill>
-                <a:effectLst/>
-                <a:latin typeface="Consolas" panose="020B0609020204030204" pitchFamily="49" charset="0"/>
-              </a:rPr>
-            </a:br>
-            <a:r>
-              <a:rPr lang="en-US" altLang="zh-TW" b="0" dirty="0">
-                <a:solidFill>
-                  <a:srgbClr val="008000"/>
-                </a:solidFill>
-                <a:effectLst/>
-                <a:latin typeface="Consolas" panose="020B0609020204030204" pitchFamily="49" charset="0"/>
-              </a:rPr>
-              <a:t>  // declare a constructor</a:t>
-            </a:r>
-            <a:endParaRPr lang="en-US" altLang="zh-TW" b="0" dirty="0">
-              <a:solidFill>
-                <a:srgbClr val="000000"/>
-              </a:solidFill>
-              <a:effectLst/>
-              <a:latin typeface="Consolas" panose="020B0609020204030204" pitchFamily="49" charset="0"/>
-            </a:endParaRPr>
-          </a:p>
-          <a:p>
-            <a:r>
-              <a:rPr lang="en-US" altLang="zh-TW" b="0" dirty="0">
-                <a:solidFill>
-                  <a:srgbClr val="000000"/>
-                </a:solidFill>
-                <a:effectLst/>
-                <a:latin typeface="Consolas" panose="020B0609020204030204" pitchFamily="49" charset="0"/>
-              </a:rPr>
-              <a:t>  </a:t>
-            </a:r>
-            <a:r>
-              <a:rPr lang="en-US" altLang="zh-TW" b="0" dirty="0">
-                <a:solidFill>
-                  <a:srgbClr val="795E26"/>
-                </a:solidFill>
-                <a:effectLst/>
-                <a:latin typeface="Consolas" panose="020B0609020204030204" pitchFamily="49" charset="0"/>
-              </a:rPr>
-              <a:t>Complex</a:t>
-            </a:r>
-            <a:r>
-              <a:rPr lang="en-US" altLang="zh-TW" b="0" dirty="0">
-                <a:solidFill>
-                  <a:srgbClr val="000000"/>
-                </a:solidFill>
-                <a:effectLst/>
-                <a:latin typeface="Consolas" panose="020B0609020204030204" pitchFamily="49" charset="0"/>
-              </a:rPr>
-              <a:t>();</a:t>
-            </a:r>
-          </a:p>
-          <a:p>
-            <a:r>
-              <a:rPr lang="en-US" altLang="zh-TW" b="0" dirty="0">
-                <a:solidFill>
-                  <a:srgbClr val="000000"/>
-                </a:solidFill>
-                <a:effectLst/>
-                <a:latin typeface="Consolas" panose="020B0609020204030204" pitchFamily="49" charset="0"/>
-              </a:rPr>
-              <a:t>};</a:t>
-            </a:r>
-            <a:br>
-              <a:rPr lang="en-US" altLang="zh-TW" b="0" dirty="0">
-                <a:solidFill>
-                  <a:srgbClr val="000000"/>
-                </a:solidFill>
-                <a:effectLst/>
-                <a:latin typeface="Consolas" panose="020B0609020204030204" pitchFamily="49" charset="0"/>
-              </a:rPr>
-            </a:br>
-            <a:r>
-              <a:rPr lang="en-US" altLang="zh-TW" b="0" dirty="0">
-                <a:solidFill>
-                  <a:srgbClr val="267F99"/>
-                </a:solidFill>
-                <a:effectLst/>
-                <a:latin typeface="Consolas" panose="020B0609020204030204" pitchFamily="49" charset="0"/>
-              </a:rPr>
-              <a:t>Complex</a:t>
-            </a:r>
-            <a:r>
-              <a:rPr lang="en-US" altLang="zh-TW" b="0" dirty="0">
-                <a:solidFill>
-                  <a:srgbClr val="000000"/>
-                </a:solidFill>
-                <a:effectLst/>
-                <a:latin typeface="Consolas" panose="020B0609020204030204" pitchFamily="49" charset="0"/>
-              </a:rPr>
-              <a:t>::</a:t>
-            </a:r>
-            <a:r>
-              <a:rPr lang="en-US" altLang="zh-TW" b="0" dirty="0">
-                <a:solidFill>
-                  <a:srgbClr val="795E26"/>
-                </a:solidFill>
-                <a:effectLst/>
-                <a:latin typeface="Consolas" panose="020B0609020204030204" pitchFamily="49" charset="0"/>
-              </a:rPr>
-              <a:t>Complex</a:t>
-            </a:r>
-            <a:r>
-              <a:rPr lang="en-US" altLang="zh-TW" b="0" dirty="0">
-                <a:solidFill>
-                  <a:srgbClr val="000000"/>
-                </a:solidFill>
-                <a:effectLst/>
-                <a:latin typeface="Consolas" panose="020B0609020204030204" pitchFamily="49" charset="0"/>
-              </a:rPr>
-              <a:t>()</a:t>
-            </a:r>
-          </a:p>
-          <a:p>
-            <a:r>
-              <a:rPr lang="en-US" altLang="zh-TW" b="0" dirty="0">
-                <a:solidFill>
-                  <a:srgbClr val="000000"/>
-                </a:solidFill>
-                <a:effectLst/>
-                <a:latin typeface="Consolas" panose="020B0609020204030204" pitchFamily="49" charset="0"/>
-              </a:rPr>
-              <a:t>{</a:t>
-            </a:r>
-          </a:p>
-          <a:p>
-            <a:r>
-              <a:rPr lang="en-US" altLang="zh-TW" b="0" dirty="0">
-                <a:solidFill>
-                  <a:srgbClr val="000000"/>
-                </a:solidFill>
-                <a:effectLst/>
-                <a:latin typeface="Consolas" panose="020B0609020204030204" pitchFamily="49" charset="0"/>
-              </a:rPr>
-              <a:t>    </a:t>
-            </a:r>
-            <a:r>
-              <a:rPr lang="en-US" altLang="zh-TW" b="0" dirty="0">
-                <a:solidFill>
-                  <a:srgbClr val="0000FF"/>
-                </a:solidFill>
-                <a:effectLst/>
-                <a:latin typeface="Consolas" panose="020B0609020204030204" pitchFamily="49" charset="0"/>
-              </a:rPr>
-              <a:t>this</a:t>
-            </a:r>
-            <a:r>
-              <a:rPr lang="en-US" altLang="zh-TW" b="0" dirty="0">
-                <a:solidFill>
-                  <a:srgbClr val="000000"/>
-                </a:solidFill>
-                <a:effectLst/>
-                <a:latin typeface="Consolas" panose="020B0609020204030204" pitchFamily="49" charset="0"/>
-              </a:rPr>
-              <a:t>-&gt;</a:t>
-            </a:r>
-            <a:r>
-              <a:rPr lang="en-US" altLang="zh-TW" b="0" dirty="0" err="1">
-                <a:solidFill>
-                  <a:srgbClr val="001080"/>
-                </a:solidFill>
-                <a:effectLst/>
-                <a:latin typeface="Consolas" panose="020B0609020204030204" pitchFamily="49" charset="0"/>
-              </a:rPr>
-              <a:t>rel</a:t>
-            </a:r>
-            <a:r>
-              <a:rPr lang="en-US" altLang="zh-TW" b="0" dirty="0">
-                <a:solidFill>
-                  <a:srgbClr val="000000"/>
-                </a:solidFill>
-                <a:effectLst/>
-                <a:latin typeface="Consolas" panose="020B0609020204030204" pitchFamily="49" charset="0"/>
-              </a:rPr>
-              <a:t> = </a:t>
-            </a:r>
-            <a:r>
-              <a:rPr lang="en-US" altLang="zh-TW" b="0" dirty="0">
-                <a:solidFill>
-                  <a:srgbClr val="098658"/>
-                </a:solidFill>
-                <a:effectLst/>
-                <a:latin typeface="Consolas" panose="020B0609020204030204" pitchFamily="49" charset="0"/>
-              </a:rPr>
-              <a:t>3.0</a:t>
-            </a:r>
-            <a:r>
-              <a:rPr lang="en-US" altLang="zh-TW" b="0" dirty="0">
-                <a:solidFill>
-                  <a:srgbClr val="000000"/>
-                </a:solidFill>
-                <a:effectLst/>
-                <a:latin typeface="Consolas" panose="020B0609020204030204" pitchFamily="49" charset="0"/>
-              </a:rPr>
-              <a:t>;</a:t>
-            </a:r>
-          </a:p>
-          <a:p>
-            <a:r>
-              <a:rPr lang="en-US" altLang="zh-TW" b="0" dirty="0">
-                <a:solidFill>
-                  <a:srgbClr val="000000"/>
-                </a:solidFill>
-                <a:effectLst/>
-                <a:latin typeface="Consolas" panose="020B0609020204030204" pitchFamily="49" charset="0"/>
-              </a:rPr>
-              <a:t>    </a:t>
-            </a:r>
-            <a:r>
-              <a:rPr lang="en-US" altLang="zh-TW" b="0" dirty="0">
-                <a:solidFill>
-                  <a:srgbClr val="0000FF"/>
-                </a:solidFill>
-                <a:effectLst/>
-                <a:latin typeface="Consolas" panose="020B0609020204030204" pitchFamily="49" charset="0"/>
-              </a:rPr>
-              <a:t>this</a:t>
-            </a:r>
-            <a:r>
-              <a:rPr lang="en-US" altLang="zh-TW" b="0" dirty="0">
-                <a:solidFill>
-                  <a:srgbClr val="000000"/>
-                </a:solidFill>
-                <a:effectLst/>
-                <a:latin typeface="Consolas" panose="020B0609020204030204" pitchFamily="49" charset="0"/>
-              </a:rPr>
-              <a:t>-&gt;</a:t>
-            </a:r>
-            <a:r>
-              <a:rPr lang="en-US" altLang="zh-TW" b="0" dirty="0" err="1">
-                <a:solidFill>
-                  <a:srgbClr val="001080"/>
-                </a:solidFill>
-                <a:effectLst/>
-                <a:latin typeface="Consolas" panose="020B0609020204030204" pitchFamily="49" charset="0"/>
-              </a:rPr>
-              <a:t>img</a:t>
-            </a:r>
-            <a:r>
-              <a:rPr lang="en-US" altLang="zh-TW" b="0" dirty="0">
-                <a:solidFill>
-                  <a:srgbClr val="000000"/>
-                </a:solidFill>
-                <a:effectLst/>
-                <a:latin typeface="Consolas" panose="020B0609020204030204" pitchFamily="49" charset="0"/>
-              </a:rPr>
-              <a:t> = </a:t>
-            </a:r>
-            <a:r>
-              <a:rPr lang="en-US" altLang="zh-TW" b="0" dirty="0">
-                <a:solidFill>
-                  <a:srgbClr val="098658"/>
-                </a:solidFill>
-                <a:effectLst/>
-                <a:latin typeface="Consolas" panose="020B0609020204030204" pitchFamily="49" charset="0"/>
-              </a:rPr>
-              <a:t>4.0</a:t>
-            </a:r>
-            <a:r>
-              <a:rPr lang="en-US" altLang="zh-TW" b="0" dirty="0">
-                <a:solidFill>
-                  <a:srgbClr val="000000"/>
-                </a:solidFill>
-                <a:effectLst/>
-                <a:latin typeface="Consolas" panose="020B0609020204030204" pitchFamily="49" charset="0"/>
-              </a:rPr>
-              <a:t>;</a:t>
-            </a:r>
-          </a:p>
-          <a:p>
-            <a:r>
-              <a:rPr lang="en-US" altLang="zh-TW" b="0" dirty="0">
-                <a:solidFill>
-                  <a:srgbClr val="000000"/>
-                </a:solidFill>
-                <a:effectLst/>
-                <a:latin typeface="Consolas" panose="020B0609020204030204" pitchFamily="49" charset="0"/>
-              </a:rPr>
-              <a:t>};</a:t>
-            </a:r>
-            <a:br>
-              <a:rPr lang="en-US" altLang="zh-TW" b="0" dirty="0">
-                <a:solidFill>
-                  <a:srgbClr val="000000"/>
-                </a:solidFill>
-                <a:effectLst/>
-                <a:latin typeface="Consolas" panose="020B0609020204030204" pitchFamily="49" charset="0"/>
-              </a:rPr>
-            </a:br>
-            <a:r>
-              <a:rPr lang="en-US" altLang="zh-TW" b="0" dirty="0">
-                <a:solidFill>
                   <a:srgbClr val="267F99"/>
                 </a:solidFill>
                 <a:effectLst/>
@@ -7512,10 +6878,10 @@
       </p:sp>
       <p:sp>
         <p:nvSpPr>
-          <p:cNvPr id="9" name="文字方塊 8">
+          <p:cNvPr id="11" name="文字方塊 10">
             <a:extLst>
               <a:ext uri="{FF2B5EF4-FFF2-40B4-BE49-F238E27FC236}">
-                <a16:creationId xmlns:a16="http://schemas.microsoft.com/office/drawing/2014/main" id="{647AA9DD-011A-4485-8CE4-B6FB797E0AD5}"/>
+                <a16:creationId xmlns:a16="http://schemas.microsoft.com/office/drawing/2014/main" id="{FBF1EF81-D935-4CBE-ACC1-802474B40F04}"/>
               </a:ext>
             </a:extLst>
           </p:cNvPr>
@@ -7524,7 +6890,7 @@
         </p:nvSpPr>
         <p:spPr>
           <a:xfrm>
-            <a:off x="5354748" y="0"/>
+            <a:off x="766531" y="3853065"/>
             <a:ext cx="6627344" cy="2862322"/>
           </a:xfrm>
           <a:prstGeom prst="rect">
@@ -7610,7 +6976,7 @@
                 <a:effectLst/>
                 <a:latin typeface="Consolas" panose="020B0609020204030204" pitchFamily="49" charset="0"/>
               </a:rPr>
-              <a:t>NotRreferred</a:t>
+              <a:t>NotPreferred</a:t>
             </a:r>
             <a:r>
               <a:rPr lang="en-US" altLang="zh-TW" b="0" dirty="0">
@@ -8681,10 +8047,10 @@
       </p:sp>
       <p:pic>
         <p:nvPicPr>
-          <p:cNvPr id="11" name="圖片 10">
+          <p:cNvPr id="12" name="圖片 11">
             <a:extLst>
               <a:ext uri="{FF2B5EF4-FFF2-40B4-BE49-F238E27FC236}">
-                <a16:creationId xmlns:a16="http://schemas.microsoft.com/office/drawing/2014/main" id="{E721392C-D75C-4076-B2E5-D6FD5DF62980}"/>
+                <a16:creationId xmlns:a16="http://schemas.microsoft.com/office/drawing/2014/main" id="{07B99804-9703-49CC-8746-9350F1FCFC90}"/>
               </a:ext>
             </a:extLst>
           </p:cNvPr>
@@ -8717,7 +8083,7 @@
     </p:spTree>
     <p:extLst>
       <p:ext uri="{BB962C8B-B14F-4D97-AF65-F5344CB8AC3E}">
-        <p14:creationId xmlns:p14="http://schemas.microsoft.com/office/powerpoint/2010/main" val="1663634008"/>
+        <p14:creationId xmlns:p14="http://schemas.microsoft.com/office/powerpoint/2010/main" val="4081981829"/>
       </p:ext>
     </p:extLst>
   </p:cSld>
@@ -8746,10 +8112,39 @@
       </p:grpSpPr>
       <p:sp>
         <p:nvSpPr>
-          <p:cNvPr id="5" name="文字方塊 4">
+          <p:cNvPr id="2" name="標題 1">
             <a:extLst>
               <a:ext uri="{FF2B5EF4-FFF2-40B4-BE49-F238E27FC236}">
-                <a16:creationId xmlns:a16="http://schemas.microsoft.com/office/drawing/2014/main" id="{4B10BCDA-ED49-44F9-8780-2C2FAD9FA8A6}"/>
+                <a16:creationId xmlns:a16="http://schemas.microsoft.com/office/drawing/2014/main" id="{D87A2666-31A6-453B-BB29-E572DD7EC9F1}"/>
+              </a:ext>
+            </a:extLst>
+          </p:cNvPr>
+          <p:cNvSpPr>
+            <a:spLocks noGrp="1"/>
+          </p:cNvSpPr>
+          <p:nvPr>
+            <p:ph type="title"/>
+          </p:nvPr>
+        </p:nvSpPr>
+        <p:spPr/>
+        <p:txBody>
+          <a:bodyPr/>
+          <a:lstStyle/>
+          <a:p>
+            <a:r>
+              <a:rPr lang="en-US" altLang="zh-TW" dirty="0"/>
+              <a:t>Struct - Manipulation</a:t>
+            </a:r>
+            <a:endParaRPr lang="zh-TW" altLang="en-US" dirty="0"/>
+          </a:p>
+        </p:txBody>
+      </p:sp>
+      <p:sp>
+        <p:nvSpPr>
+          <p:cNvPr id="4" name="文字方塊 3">
+            <a:extLst>
+              <a:ext uri="{FF2B5EF4-FFF2-40B4-BE49-F238E27FC236}">
+                <a16:creationId xmlns:a16="http://schemas.microsoft.com/office/drawing/2014/main" id="{B6B33375-0887-4D29-B455-9F0E2180DA42}"/>
               </a:ext>
             </a:extLst>
           </p:cNvPr>
@@ -8758,7 +8153,7 @@
         </p:nvSpPr>
         <p:spPr>
           <a:xfrm>
-            <a:off x="312491" y="438774"/>
+            <a:off x="838200" y="1302840"/>
             <a:ext cx="6094602" cy="5632311"/>
           </a:xfrm>
           <a:prstGeom prst="rect">
@@ -9883,10 +9278,10 @@
       </p:sp>
       <p:sp>
         <p:nvSpPr>
-          <p:cNvPr id="7" name="文字方塊 6">
+          <p:cNvPr id="5" name="文字方塊 4">
             <a:extLst>
               <a:ext uri="{FF2B5EF4-FFF2-40B4-BE49-F238E27FC236}">
-                <a16:creationId xmlns:a16="http://schemas.microsoft.com/office/drawing/2014/main" id="{19B95B21-B6AC-460B-B0C7-56DE4CCFAB2E}"/>
+                <a16:creationId xmlns:a16="http://schemas.microsoft.com/office/drawing/2014/main" id="{ABBA8854-A113-4D60-B748-5F943153B0BF}"/>
               </a:ext>
             </a:extLst>
           </p:cNvPr>
@@ -9895,7 +9290,7 @@
         </p:nvSpPr>
         <p:spPr>
           <a:xfrm>
-            <a:off x="5436066" y="438774"/>
+            <a:off x="5519956" y="1256673"/>
             <a:ext cx="6339980" cy="2862322"/>
           </a:xfrm>
           <a:prstGeom prst="rect">
@@ -10962,10 +10357,10 @@
       </p:sp>
       <p:pic>
         <p:nvPicPr>
-          <p:cNvPr id="9" name="圖片 8">
+          <p:cNvPr id="6" name="圖片 5">
             <a:extLst>
               <a:ext uri="{FF2B5EF4-FFF2-40B4-BE49-F238E27FC236}">
-                <a16:creationId xmlns:a16="http://schemas.microsoft.com/office/drawing/2014/main" id="{126F649F-0BC8-4B8B-A8FE-F61C93E30938}"/>
+                <a16:creationId xmlns:a16="http://schemas.microsoft.com/office/drawing/2014/main" id="{339F7A46-EA9C-42EE-9E56-B4D57E829A96}"/>
               </a:ext>
             </a:extLst>
           </p:cNvPr>
@@ -10998,7 +10393,7 @@
     </p:spTree>
     <p:extLst>
       <p:ext uri="{BB962C8B-B14F-4D97-AF65-F5344CB8AC3E}">
-        <p14:creationId xmlns:p14="http://schemas.microsoft.com/office/powerpoint/2010/main" val="1226447678"/>
+        <p14:creationId xmlns:p14="http://schemas.microsoft.com/office/powerpoint/2010/main" val="716038414"/>
       </p:ext>
     </p:extLst>
   </p:cSld>
@@ -13280,8 +12675,20 @@
           <a:lstStyle/>
           <a:p>
             <a:r>
+              <a:rPr lang="en-US" altLang="zh-TW" dirty="0" err="1"/>
+              <a:t>AoS</a:t>
+            </a:r>
+            <a:r>
               <a:rPr lang="en-US" altLang="zh-TW" dirty="0"/>
-              <a:t>Struct - Manipulation</a:t>
+              <a:t> and </a:t>
+            </a:r>
+            <a:r>
+              <a:rPr lang="en-US" altLang="zh-TW" dirty="0" err="1"/>
+              <a:t>SoA</a:t>
+            </a:r>
+            <a:r>
+              <a:rPr lang="en-US" altLang="zh-TW" dirty="0"/>
+              <a:t> - Manipulation</a:t>
             </a:r>
             <a:endParaRPr lang="zh-TW" altLang="en-US" dirty="0"/>
           </a:p>
@@ -27011,7 +26418,7 @@
         <p:spPr>
           <a:xfrm>
             <a:off x="385194" y="1690688"/>
-            <a:ext cx="9765484" cy="2585323"/>
+            <a:ext cx="9765484" cy="2862322"/>
           </a:xfrm>
           <a:prstGeom prst="rect">
             <a:avLst/>
@@ -27035,6 +26442,38 @@
               <a:t>    </a:t>
             </a:r>
             <a:r>
+              <a:rPr lang="en-US" altLang="zh-TW" b="0" dirty="0">
+                <a:solidFill>
+                  <a:srgbClr val="008000"/>
+                </a:solidFill>
+                <a:effectLst/>
+                <a:latin typeface="Consolas" panose="020B0609020204030204" pitchFamily="49" charset="0"/>
+              </a:rPr>
+              <a:t>// orange is defined twice</a:t>
+            </a:r>
+            <a:r>
+              <a:rPr lang="en-US" altLang="zh-TW" b="0" dirty="0">
+                <a:solidFill>
+                  <a:srgbClr val="000000"/>
+                </a:solidFill>
+                <a:effectLst/>
+                <a:latin typeface="Consolas" panose="020B0609020204030204" pitchFamily="49" charset="0"/>
+              </a:rPr>
+              <a:t>    </a:t>
+            </a:r>
+          </a:p>
+          <a:p>
+            <a:r>
+              <a:rPr lang="en-US" altLang="zh-TW" b="0" dirty="0">
+                <a:solidFill>
+                  <a:srgbClr val="000000"/>
+                </a:solidFill>
+                <a:effectLst/>
+                <a:latin typeface="Consolas" panose="020B0609020204030204" pitchFamily="49" charset="0"/>
+              </a:rPr>
+              <a:t>    </a:t>
+            </a:r>
+            <a:r>
               <a:rPr lang="en-US" altLang="zh-TW" b="0" dirty="0" err="1">
                 <a:solidFill>
                   <a:srgbClr val="0000FF"/>
@@ -27057,124 +26496,84 @@
             <a:r>
               <a:rPr lang="en-US" altLang="zh-TW" b="0" dirty="0">
                 <a:solidFill>
+                  <a:srgbClr val="267F99"/>
+                </a:solidFill>
+                <a:effectLst/>
+                <a:latin typeface="Consolas" panose="020B0609020204030204" pitchFamily="49" charset="0"/>
+              </a:rPr>
+              <a:t>fruit</a:t>
+            </a:r>
+            <a:r>
+              <a:rPr lang="en-US" altLang="zh-TW" b="0" dirty="0">
+                <a:solidFill>
+                  <a:srgbClr val="000000"/>
+                </a:solidFill>
+                <a:effectLst/>
+                <a:latin typeface="Consolas" panose="020B0609020204030204" pitchFamily="49" charset="0"/>
+              </a:rPr>
+              <a:t> { </a:t>
+            </a:r>
+            <a:r>
+              <a:rPr lang="en-US" altLang="zh-TW" b="0" dirty="0">
+                <a:solidFill>
+                  <a:srgbClr val="0070C1"/>
+                </a:solidFill>
+                <a:effectLst/>
+                <a:latin typeface="Consolas" panose="020B0609020204030204" pitchFamily="49" charset="0"/>
+              </a:rPr>
+              <a:t>orange</a:t>
+            </a:r>
+            <a:r>
+              <a:rPr lang="en-US" altLang="zh-TW" b="0" dirty="0">
+                <a:solidFill>
+                  <a:srgbClr val="000000"/>
+                </a:solidFill>
+                <a:effectLst/>
+                <a:latin typeface="Consolas" panose="020B0609020204030204" pitchFamily="49" charset="0"/>
+              </a:rPr>
+              <a:t>, </a:t>
+            </a:r>
+            <a:r>
+              <a:rPr lang="en-US" altLang="zh-TW" b="0" dirty="0">
+                <a:solidFill>
+                  <a:srgbClr val="0070C1"/>
+                </a:solidFill>
+                <a:effectLst/>
+                <a:latin typeface="Consolas" panose="020B0609020204030204" pitchFamily="49" charset="0"/>
+              </a:rPr>
+              <a:t>apple</a:t>
+            </a:r>
+            <a:r>
+              <a:rPr lang="en-US" altLang="zh-TW" b="0" dirty="0">
+                <a:solidFill>
+                  <a:srgbClr val="000000"/>
+                </a:solidFill>
+                <a:effectLst/>
+                <a:latin typeface="Consolas" panose="020B0609020204030204" pitchFamily="49" charset="0"/>
+              </a:rPr>
+              <a:t> };</a:t>
+            </a:r>
+          </a:p>
+          <a:p>
+            <a:r>
+              <a:rPr lang="en-US" altLang="zh-TW" b="0" dirty="0">
+                <a:solidFill>
+                  <a:srgbClr val="000000"/>
+                </a:solidFill>
+                <a:effectLst/>
+                <a:latin typeface="Consolas" panose="020B0609020204030204" pitchFamily="49" charset="0"/>
+              </a:rPr>
+              <a:t>    </a:t>
+            </a:r>
+            <a:r>
+              <a:rPr lang="en-US" altLang="zh-TW" b="0" dirty="0" err="1">
+                <a:solidFill>
                   <a:srgbClr val="0000FF"/>
                 </a:solidFill>
                 <a:effectLst/>
                 <a:latin typeface="Consolas" panose="020B0609020204030204" pitchFamily="49" charset="0"/>
               </a:rPr>
-              <a:t>class</a:t>
-            </a:r>
-            <a:r>
-              <a:rPr lang="en-US" altLang="zh-TW" b="0" dirty="0">
-                <a:solidFill>
-                  <a:srgbClr val="000000"/>
-                </a:solidFill>
-                <a:effectLst/>
-                <a:latin typeface="Consolas" panose="020B0609020204030204" pitchFamily="49" charset="0"/>
-              </a:rPr>
-              <a:t> </a:t>
-            </a:r>
-            <a:r>
-              <a:rPr lang="en-US" altLang="zh-TW" b="0" dirty="0">
-                <a:solidFill>
-                  <a:srgbClr val="267F99"/>
-                </a:solidFill>
-                <a:effectLst/>
-                <a:latin typeface="Consolas" panose="020B0609020204030204" pitchFamily="49" charset="0"/>
-              </a:rPr>
-              <a:t>fruit</a:t>
-            </a:r>
-            <a:r>
-              <a:rPr lang="en-US" altLang="zh-TW" b="0" dirty="0">
-                <a:solidFill>
-                  <a:srgbClr val="000000"/>
-                </a:solidFill>
-                <a:effectLst/>
-                <a:latin typeface="Consolas" panose="020B0609020204030204" pitchFamily="49" charset="0"/>
-              </a:rPr>
-              <a:t> { </a:t>
-            </a:r>
-            <a:r>
-              <a:rPr lang="en-US" altLang="zh-TW" b="0" dirty="0">
-                <a:solidFill>
-                  <a:srgbClr val="0070C1"/>
-                </a:solidFill>
-                <a:effectLst/>
-                <a:latin typeface="Consolas" panose="020B0609020204030204" pitchFamily="49" charset="0"/>
-              </a:rPr>
-              <a:t>orange</a:t>
-            </a:r>
-            <a:r>
-              <a:rPr lang="en-US" altLang="zh-TW" b="0" dirty="0">
-                <a:solidFill>
-                  <a:srgbClr val="000000"/>
-                </a:solidFill>
-                <a:effectLst/>
-                <a:latin typeface="Consolas" panose="020B0609020204030204" pitchFamily="49" charset="0"/>
-              </a:rPr>
-              <a:t>, </a:t>
-            </a:r>
-            <a:r>
-              <a:rPr lang="en-US" altLang="zh-TW" b="0" dirty="0">
-                <a:solidFill>
-                  <a:srgbClr val="0070C1"/>
-                </a:solidFill>
-                <a:effectLst/>
-                <a:latin typeface="Consolas" panose="020B0609020204030204" pitchFamily="49" charset="0"/>
-              </a:rPr>
-              <a:t>apple</a:t>
-            </a:r>
-            <a:r>
-              <a:rPr lang="en-US" altLang="zh-TW" b="0" dirty="0">
-                <a:solidFill>
-                  <a:srgbClr val="000000"/>
-                </a:solidFill>
-                <a:effectLst/>
-                <a:latin typeface="Consolas" panose="020B0609020204030204" pitchFamily="49" charset="0"/>
-              </a:rPr>
-              <a:t> };</a:t>
-            </a:r>
-          </a:p>
-          <a:p>
-            <a:r>
-              <a:rPr lang="en-US" altLang="zh-TW" b="0" dirty="0">
-                <a:solidFill>
-                  <a:srgbClr val="000000"/>
-                </a:solidFill>
-                <a:effectLst/>
-                <a:latin typeface="Consolas" panose="020B0609020204030204" pitchFamily="49" charset="0"/>
-              </a:rPr>
-              <a:t>    </a:t>
-            </a:r>
-            <a:r>
-              <a:rPr lang="en-US" altLang="zh-TW" b="0" dirty="0" err="1">
-                <a:solidFill>
-                  <a:srgbClr val="0000FF"/>
-                </a:solidFill>
-                <a:effectLst/>
-                <a:latin typeface="Consolas" panose="020B0609020204030204" pitchFamily="49" charset="0"/>
-              </a:rPr>
               <a:t>enum</a:t>
-            </a:r>
-            <a:r>
-              <a:rPr lang="en-US" altLang="zh-TW" b="0" dirty="0">
-                <a:solidFill>
-                  <a:srgbClr val="000000"/>
-                </a:solidFill>
-                <a:effectLst/>
-                <a:latin typeface="Consolas" panose="020B0609020204030204" pitchFamily="49" charset="0"/>
-              </a:rPr>
-              <a:t> </a:t>
-            </a:r>
-            <a:r>
-              <a:rPr lang="en-US" altLang="zh-TW" b="0" dirty="0">
-                <a:solidFill>
-                  <a:srgbClr val="0000FF"/>
-                </a:solidFill>
-                <a:effectLst/>
-                <a:latin typeface="Consolas" panose="020B0609020204030204" pitchFamily="49" charset="0"/>
-              </a:rPr>
-              <a:t>class</a:t>
             </a:r>
             <a:r>
               <a:rPr lang="en-US" altLang="zh-TW" b="0" dirty="0">
@@ -27899,10 +27298,10 @@
       </p:sp>
       <p:pic>
         <p:nvPicPr>
-          <p:cNvPr id="7" name="圖片 6">
+          <p:cNvPr id="4" name="圖片 3">
             <a:extLst>
               <a:ext uri="{FF2B5EF4-FFF2-40B4-BE49-F238E27FC236}">
-                <a16:creationId xmlns:a16="http://schemas.microsoft.com/office/drawing/2014/main" id="{2BE3CEC2-5DE6-4ED6-BA49-6C48FDD7FDF1}"/>
+                <a16:creationId xmlns:a16="http://schemas.microsoft.com/office/drawing/2014/main" id="{32AB0C91-5276-4BE2-97E6-65E2B79F4639}"/>
               </a:ext>
             </a:extLst>
           </p:cNvPr>
@@ -27919,8 +27318,8 @@
         </p:blipFill>
         <p:spPr>
           <a:xfrm>
-            <a:off x="1975407" y="4910641"/>
-            <a:ext cx="10133466" cy="1876186"/>
+            <a:off x="1222476" y="5289443"/>
+            <a:ext cx="10872637" cy="1414138"/>
           </a:xfrm>
           <a:prstGeom prst="rect">
             <a:avLst/>

--- a/12-userdef_type/00-enum_typedef.pptx
+++ b/12-userdef_type/00-enum_typedef.pptx
@@ -29390,6 +29390,26 @@
                 <a:effectLst/>
                 <a:latin typeface="Consolas" panose="020B0609020204030204" pitchFamily="49" charset="0"/>
               </a:rPr>
+              <a:t> = 2, </a:t>
+            </a:r>
+            <a:r>
+              <a:rPr lang="en-US" altLang="zh-TW" b="0" dirty="0">
+                <a:solidFill>
+                  <a:srgbClr val="0070C1"/>
+                </a:solidFill>
+                <a:effectLst/>
+                <a:latin typeface="Consolas" panose="020B0609020204030204" pitchFamily="49" charset="0"/>
+              </a:rPr>
+              <a:t>winter</a:t>
+            </a:r>
+            <a:r>
+              <a:rPr lang="en-US" altLang="zh-TW" b="0" dirty="0">
+                <a:solidFill>
+                  <a:srgbClr val="000000"/>
+                </a:solidFill>
+                <a:effectLst/>
+                <a:latin typeface="Consolas" panose="020B0609020204030204" pitchFamily="49" charset="0"/>
+              </a:rPr>
               <a:t> = </a:t>
             </a:r>
             <a:r>
@@ -29410,213 +29430,183 @@
                 <a:effectLst/>
                 <a:latin typeface="Consolas" panose="020B0609020204030204" pitchFamily="49" charset="0"/>
               </a:rPr>
-              <a:t>, </a:t>
-            </a:r>
-            <a:r>
-              <a:rPr lang="en-US" altLang="zh-TW" b="0" dirty="0">
-                <a:solidFill>
-                  <a:srgbClr val="0070C1"/>
-                </a:solidFill>
-                <a:effectLst/>
-                <a:latin typeface="Consolas" panose="020B0609020204030204" pitchFamily="49" charset="0"/>
-              </a:rPr>
-              <a:t>winter</a:t>
-            </a:r>
-            <a:r>
-              <a:rPr lang="en-US" altLang="zh-TW" b="0" dirty="0">
-                <a:solidFill>
-                  <a:srgbClr val="000000"/>
-                </a:solidFill>
-                <a:effectLst/>
-                <a:latin typeface="Consolas" panose="020B0609020204030204" pitchFamily="49" charset="0"/>
-              </a:rPr>
-              <a:t> = </a:t>
-            </a:r>
-            <a:r>
-              <a:rPr lang="en-US" altLang="zh-TW" b="0" dirty="0">
+              <a:t>};</a:t>
+            </a:r>
+            <a:br>
+              <a:rPr lang="en-US" altLang="zh-TW" b="0" dirty="0">
+                <a:solidFill>
+                  <a:srgbClr val="000000"/>
+                </a:solidFill>
+                <a:effectLst/>
+                <a:latin typeface="Consolas" panose="020B0609020204030204" pitchFamily="49" charset="0"/>
+              </a:rPr>
+            </a:br>
+            <a:r>
+              <a:rPr lang="en-US" altLang="zh-TW" b="0" dirty="0">
+                <a:solidFill>
+                  <a:srgbClr val="267F99"/>
+                </a:solidFill>
+                <a:effectLst/>
+                <a:latin typeface="Consolas" panose="020B0609020204030204" pitchFamily="49" charset="0"/>
+              </a:rPr>
+              <a:t>season</a:t>
+            </a:r>
+            <a:r>
+              <a:rPr lang="en-US" altLang="zh-TW" b="0" dirty="0">
+                <a:solidFill>
+                  <a:srgbClr val="000000"/>
+                </a:solidFill>
+                <a:effectLst/>
+                <a:latin typeface="Consolas" panose="020B0609020204030204" pitchFamily="49" charset="0"/>
+              </a:rPr>
+              <a:t> </a:t>
+            </a:r>
+            <a:r>
+              <a:rPr lang="en-US" altLang="zh-TW" b="0" dirty="0" err="1">
+                <a:solidFill>
+                  <a:srgbClr val="795E26"/>
+                </a:solidFill>
+                <a:effectLst/>
+                <a:latin typeface="Consolas" panose="020B0609020204030204" pitchFamily="49" charset="0"/>
+              </a:rPr>
+              <a:t>init</a:t>
+            </a:r>
+            <a:r>
+              <a:rPr lang="en-US" altLang="zh-TW" b="0" dirty="0">
+                <a:solidFill>
+                  <a:srgbClr val="000000"/>
+                </a:solidFill>
+                <a:effectLst/>
+                <a:latin typeface="Consolas" panose="020B0609020204030204" pitchFamily="49" charset="0"/>
+              </a:rPr>
+              <a:t>(</a:t>
+            </a:r>
+            <a:r>
+              <a:rPr lang="en-US" altLang="zh-TW" b="0" dirty="0">
+                <a:solidFill>
+                  <a:srgbClr val="0000FF"/>
+                </a:solidFill>
+                <a:effectLst/>
+                <a:latin typeface="Consolas" panose="020B0609020204030204" pitchFamily="49" charset="0"/>
+              </a:rPr>
+              <a:t>int</a:t>
+            </a:r>
+            <a:r>
+              <a:rPr lang="en-US" altLang="zh-TW" b="0" dirty="0">
+                <a:solidFill>
+                  <a:srgbClr val="000000"/>
+                </a:solidFill>
+                <a:effectLst/>
+                <a:latin typeface="Consolas" panose="020B0609020204030204" pitchFamily="49" charset="0"/>
+              </a:rPr>
+              <a:t> </a:t>
+            </a:r>
+            <a:r>
+              <a:rPr lang="en-US" altLang="zh-TW" b="0" dirty="0">
+                <a:solidFill>
+                  <a:srgbClr val="001080"/>
+                </a:solidFill>
+                <a:effectLst/>
+                <a:latin typeface="Consolas" panose="020B0609020204030204" pitchFamily="49" charset="0"/>
+              </a:rPr>
+              <a:t>source</a:t>
+            </a:r>
+            <a:r>
+              <a:rPr lang="en-US" altLang="zh-TW" b="0" dirty="0">
+                <a:solidFill>
+                  <a:srgbClr val="000000"/>
+                </a:solidFill>
+                <a:effectLst/>
+                <a:latin typeface="Consolas" panose="020B0609020204030204" pitchFamily="49" charset="0"/>
+              </a:rPr>
+              <a:t>)</a:t>
+            </a:r>
+          </a:p>
+          <a:p>
+            <a:r>
+              <a:rPr lang="en-US" altLang="zh-TW" b="0" dirty="0">
+                <a:solidFill>
+                  <a:srgbClr val="000000"/>
+                </a:solidFill>
+                <a:effectLst/>
+                <a:latin typeface="Consolas" panose="020B0609020204030204" pitchFamily="49" charset="0"/>
+              </a:rPr>
+              <a:t>{</a:t>
+            </a:r>
+          </a:p>
+          <a:p>
+            <a:r>
+              <a:rPr lang="en-US" altLang="zh-TW" b="0" dirty="0">
+                <a:solidFill>
+                  <a:srgbClr val="000000"/>
+                </a:solidFill>
+                <a:effectLst/>
+                <a:latin typeface="Consolas" panose="020B0609020204030204" pitchFamily="49" charset="0"/>
+              </a:rPr>
+              <a:t>    </a:t>
+            </a:r>
+            <a:r>
+              <a:rPr lang="en-US" altLang="zh-TW" b="0" dirty="0">
+                <a:solidFill>
+                  <a:srgbClr val="0000FF"/>
+                </a:solidFill>
+                <a:effectLst/>
+                <a:latin typeface="Consolas" panose="020B0609020204030204" pitchFamily="49" charset="0"/>
+              </a:rPr>
+              <a:t>int</a:t>
+            </a:r>
+            <a:r>
+              <a:rPr lang="en-US" altLang="zh-TW" b="0" dirty="0">
+                <a:solidFill>
+                  <a:srgbClr val="000000"/>
+                </a:solidFill>
+                <a:effectLst/>
+                <a:latin typeface="Consolas" panose="020B0609020204030204" pitchFamily="49" charset="0"/>
+              </a:rPr>
+              <a:t> </a:t>
+            </a:r>
+            <a:r>
+              <a:rPr lang="en-US" altLang="zh-TW" b="0" dirty="0">
+                <a:solidFill>
+                  <a:srgbClr val="001080"/>
+                </a:solidFill>
+                <a:effectLst/>
+                <a:latin typeface="Consolas" panose="020B0609020204030204" pitchFamily="49" charset="0"/>
+              </a:rPr>
+              <a:t>SEASON_MAX</a:t>
+            </a:r>
+            <a:r>
+              <a:rPr lang="en-US" altLang="zh-TW" b="0" dirty="0">
+                <a:solidFill>
+                  <a:srgbClr val="000000"/>
+                </a:solidFill>
+                <a:effectLst/>
+                <a:latin typeface="Consolas" panose="020B0609020204030204" pitchFamily="49" charset="0"/>
+              </a:rPr>
+              <a:t> </a:t>
+            </a:r>
+            <a:r>
+              <a:rPr lang="en-US" altLang="zh-TW" b="0">
+                <a:solidFill>
+                  <a:srgbClr val="000000"/>
+                </a:solidFill>
+                <a:effectLst/>
+                <a:latin typeface="Consolas" panose="020B0609020204030204" pitchFamily="49" charset="0"/>
+              </a:rPr>
+              <a:t>= </a:t>
+            </a:r>
+            <a:r>
+              <a:rPr lang="en-US" altLang="zh-TW" b="0">
                 <a:solidFill>
                   <a:srgbClr val="098658"/>
                 </a:solidFill>
                 <a:effectLst/>
                 <a:latin typeface="Consolas" panose="020B0609020204030204" pitchFamily="49" charset="0"/>
               </a:rPr>
-              <a:t>4</a:t>
-            </a:r>
-            <a:r>
-              <a:rPr lang="en-US" altLang="zh-TW" b="0" dirty="0">
-                <a:solidFill>
-                  <a:srgbClr val="000000"/>
-                </a:solidFill>
-                <a:effectLst/>
-                <a:latin typeface="Consolas" panose="020B0609020204030204" pitchFamily="49" charset="0"/>
-              </a:rPr>
-              <a:t>};</a:t>
-            </a:r>
-            <a:br>
-              <a:rPr lang="en-US" altLang="zh-TW" b="0" dirty="0">
-                <a:solidFill>
-                  <a:srgbClr val="000000"/>
-                </a:solidFill>
-                <a:effectLst/>
-                <a:latin typeface="Consolas" panose="020B0609020204030204" pitchFamily="49" charset="0"/>
-              </a:rPr>
-            </a:br>
-            <a:r>
-              <a:rPr lang="en-US" altLang="zh-TW" b="0" dirty="0">
-                <a:solidFill>
-                  <a:srgbClr val="267F99"/>
-                </a:solidFill>
-                <a:effectLst/>
-                <a:latin typeface="Consolas" panose="020B0609020204030204" pitchFamily="49" charset="0"/>
-              </a:rPr>
-              <a:t>season</a:t>
-            </a:r>
-            <a:r>
-              <a:rPr lang="en-US" altLang="zh-TW" b="0" dirty="0">
-                <a:solidFill>
-                  <a:srgbClr val="000000"/>
-                </a:solidFill>
-                <a:effectLst/>
-                <a:latin typeface="Consolas" panose="020B0609020204030204" pitchFamily="49" charset="0"/>
-              </a:rPr>
-              <a:t> </a:t>
-            </a:r>
-            <a:r>
-              <a:rPr lang="en-US" altLang="zh-TW" b="0" dirty="0" err="1">
-                <a:solidFill>
-                  <a:srgbClr val="795E26"/>
-                </a:solidFill>
-                <a:effectLst/>
-                <a:latin typeface="Consolas" panose="020B0609020204030204" pitchFamily="49" charset="0"/>
-              </a:rPr>
-              <a:t>init</a:t>
-            </a:r>
-            <a:r>
-              <a:rPr lang="en-US" altLang="zh-TW" b="0" dirty="0">
-                <a:solidFill>
-                  <a:srgbClr val="000000"/>
-                </a:solidFill>
-                <a:effectLst/>
-                <a:latin typeface="Consolas" panose="020B0609020204030204" pitchFamily="49" charset="0"/>
-              </a:rPr>
-              <a:t>(</a:t>
-            </a:r>
-            <a:r>
-              <a:rPr lang="en-US" altLang="zh-TW" b="0" dirty="0">
-                <a:solidFill>
-                  <a:srgbClr val="0000FF"/>
-                </a:solidFill>
-                <a:effectLst/>
-                <a:latin typeface="Consolas" panose="020B0609020204030204" pitchFamily="49" charset="0"/>
-              </a:rPr>
-              <a:t>int</a:t>
-            </a:r>
-            <a:r>
-              <a:rPr lang="en-US" altLang="zh-TW" b="0" dirty="0">
-                <a:solidFill>
-                  <a:srgbClr val="000000"/>
-                </a:solidFill>
-                <a:effectLst/>
-                <a:latin typeface="Consolas" panose="020B0609020204030204" pitchFamily="49" charset="0"/>
-              </a:rPr>
-              <a:t> </a:t>
-            </a:r>
-            <a:r>
-              <a:rPr lang="en-US" altLang="zh-TW" b="0" dirty="0">
-                <a:solidFill>
-                  <a:srgbClr val="001080"/>
-                </a:solidFill>
-                <a:effectLst/>
-                <a:latin typeface="Consolas" panose="020B0609020204030204" pitchFamily="49" charset="0"/>
-              </a:rPr>
-              <a:t>source</a:t>
-            </a:r>
-            <a:r>
-              <a:rPr lang="en-US" altLang="zh-TW" b="0" dirty="0">
-                <a:solidFill>
-                  <a:srgbClr val="000000"/>
-                </a:solidFill>
-                <a:effectLst/>
-                <a:latin typeface="Consolas" panose="020B0609020204030204" pitchFamily="49" charset="0"/>
-              </a:rPr>
-              <a:t>)</a:t>
-            </a:r>
-          </a:p>
-          <a:p>
-            <a:r>
-              <a:rPr lang="en-US" altLang="zh-TW" b="0" dirty="0">
-                <a:solidFill>
-                  <a:srgbClr val="000000"/>
-                </a:solidFill>
-                <a:effectLst/>
-                <a:latin typeface="Consolas" panose="020B0609020204030204" pitchFamily="49" charset="0"/>
-              </a:rPr>
-              <a:t>{</a:t>
-            </a:r>
-          </a:p>
-          <a:p>
-            <a:r>
-              <a:rPr lang="en-US" altLang="zh-TW" b="0" dirty="0">
-                <a:solidFill>
-                  <a:srgbClr val="000000"/>
-                </a:solidFill>
-                <a:effectLst/>
-                <a:latin typeface="Consolas" panose="020B0609020204030204" pitchFamily="49" charset="0"/>
-              </a:rPr>
-              <a:t>    </a:t>
-            </a:r>
-            <a:r>
-              <a:rPr lang="en-US" altLang="zh-TW" b="0" dirty="0">
-                <a:solidFill>
-                  <a:srgbClr val="0000FF"/>
-                </a:solidFill>
-                <a:effectLst/>
-                <a:latin typeface="Consolas" panose="020B0609020204030204" pitchFamily="49" charset="0"/>
-              </a:rPr>
-              <a:t>int</a:t>
-            </a:r>
-            <a:r>
-              <a:rPr lang="en-US" altLang="zh-TW" b="0" dirty="0">
-                <a:solidFill>
-                  <a:srgbClr val="000000"/>
-                </a:solidFill>
-                <a:effectLst/>
-                <a:latin typeface="Consolas" panose="020B0609020204030204" pitchFamily="49" charset="0"/>
-              </a:rPr>
-              <a:t> </a:t>
-            </a:r>
-            <a:r>
-              <a:rPr lang="en-US" altLang="zh-TW" b="0" dirty="0">
-                <a:solidFill>
-                  <a:srgbClr val="001080"/>
-                </a:solidFill>
-                <a:effectLst/>
-                <a:latin typeface="Consolas" panose="020B0609020204030204" pitchFamily="49" charset="0"/>
-              </a:rPr>
-              <a:t>SEASON_MAX</a:t>
-            </a:r>
-            <a:r>
-              <a:rPr lang="en-US" altLang="zh-TW" b="0" dirty="0">
-                <a:solidFill>
-                  <a:srgbClr val="000000"/>
-                </a:solidFill>
-                <a:effectLst/>
-                <a:latin typeface="Consolas" panose="020B0609020204030204" pitchFamily="49" charset="0"/>
-              </a:rPr>
-              <a:t> = </a:t>
-            </a:r>
-            <a:r>
-              <a:rPr lang="en-US" altLang="zh-TW" b="0" dirty="0">
-                <a:solidFill>
-                  <a:srgbClr val="098658"/>
-                </a:solidFill>
-                <a:effectLst/>
-                <a:latin typeface="Consolas" panose="020B0609020204030204" pitchFamily="49" charset="0"/>
-              </a:rPr>
-              <a:t>4</a:t>
-            </a:r>
-            <a:r>
-              <a:rPr lang="en-US" altLang="zh-TW" b="0" dirty="0">
+              <a:t>3</a:t>
+            </a:r>
+            <a:r>
+              <a:rPr lang="en-US" altLang="zh-TW" b="0">
                 <a:solidFill>
                   <a:srgbClr val="000000"/>
                 </a:solidFill>
@@ -29625,6 +29615,13 @@
               </a:rPr>
               <a:t>;</a:t>
             </a:r>
+            <a:endParaRPr lang="en-US" altLang="zh-TW" b="0" dirty="0">
+              <a:solidFill>
+                <a:srgbClr val="000000"/>
+              </a:solidFill>
+              <a:effectLst/>
+              <a:latin typeface="Consolas" panose="020B0609020204030204" pitchFamily="49" charset="0"/>
+            </a:endParaRPr>
           </a:p>
           <a:p>
             <a:r>
